--- a/Presentations/Presentation Apache Spark.pptx
+++ b/Presentations/Presentation Apache Spark.pptx
@@ -312,7 +312,7 @@
             <a:fld id="{87DE6118-2437-4B30-8E3C-4D2BE6020583}" type="datetimeFigureOut">
               <a:rPr lang="en-US" dirty="0"/>
               <a:pPr/>
-              <a:t>7/22/2020</a:t>
+              <a:t>7/22/20</a:t>
             </a:fld>
             <a:endParaRPr lang="en-US" dirty="0"/>
           </a:p>
@@ -381,7 +381,7 @@
             <a:fld id="{69E57DC2-970A-4B3E-BB1C-7A09969E49DF}" type="slidenum">
               <a:rPr lang="en-US" dirty="0"/>
               <a:pPr/>
-              <a:t>‹N›</a:t>
+              <a:t>‹Nº›</a:t>
             </a:fld>
             <a:endParaRPr lang="en-US" dirty="0"/>
           </a:p>
@@ -638,7 +638,7 @@
           <a:p>
             <a:fld id="{87DE6118-2437-4B30-8E3C-4D2BE6020583}" type="datetimeFigureOut">
               <a:rPr lang="en-US" dirty="0"/>
-              <a:t>7/22/2020</a:t>
+              <a:t>7/22/20</a:t>
             </a:fld>
             <a:endParaRPr lang="en-US" dirty="0"/>
           </a:p>
@@ -680,7 +680,7 @@
           <a:p>
             <a:fld id="{69E57DC2-970A-4B3E-BB1C-7A09969E49DF}" type="slidenum">
               <a:rPr lang="en-US" dirty="0"/>
-              <a:t>‹N›</a:t>
+              <a:t>‹Nº›</a:t>
             </a:fld>
             <a:endParaRPr lang="en-US" dirty="0"/>
           </a:p>
@@ -813,7 +813,7 @@
           <a:p>
             <a:fld id="{87DE6118-2437-4B30-8E3C-4D2BE6020583}" type="datetimeFigureOut">
               <a:rPr lang="en-US" dirty="0"/>
-              <a:t>7/22/2020</a:t>
+              <a:t>7/22/20</a:t>
             </a:fld>
             <a:endParaRPr lang="en-US" dirty="0"/>
           </a:p>
@@ -855,7 +855,7 @@
           <a:p>
             <a:fld id="{69E57DC2-970A-4B3E-BB1C-7A09969E49DF}" type="slidenum">
               <a:rPr lang="en-US" dirty="0"/>
-              <a:t>‹N›</a:t>
+              <a:t>‹Nº›</a:t>
             </a:fld>
             <a:endParaRPr lang="en-US" dirty="0"/>
           </a:p>
@@ -978,7 +978,7 @@
           <a:p>
             <a:fld id="{87DE6118-2437-4B30-8E3C-4D2BE6020583}" type="datetimeFigureOut">
               <a:rPr lang="en-US" dirty="0"/>
-              <a:t>7/22/2020</a:t>
+              <a:t>7/22/20</a:t>
             </a:fld>
             <a:endParaRPr lang="en-US" dirty="0"/>
           </a:p>
@@ -1020,7 +1020,7 @@
           <a:p>
             <a:fld id="{69E57DC2-970A-4B3E-BB1C-7A09969E49DF}" type="slidenum">
               <a:rPr lang="en-US" dirty="0"/>
-              <a:t>‹N›</a:t>
+              <a:t>‹Nº›</a:t>
             </a:fld>
             <a:endParaRPr lang="en-US" dirty="0"/>
           </a:p>
@@ -1251,7 +1251,7 @@
             <a:fld id="{87DE6118-2437-4B30-8E3C-4D2BE6020583}" type="datetimeFigureOut">
               <a:rPr lang="en-US" dirty="0"/>
               <a:pPr/>
-              <a:t>7/22/2020</a:t>
+              <a:t>7/22/20</a:t>
             </a:fld>
             <a:endParaRPr lang="en-US" dirty="0"/>
           </a:p>
@@ -1320,7 +1320,7 @@
             <a:fld id="{69E57DC2-970A-4B3E-BB1C-7A09969E49DF}" type="slidenum">
               <a:rPr lang="en-US" dirty="0"/>
               <a:pPr/>
-              <a:t>‹N›</a:t>
+              <a:t>‹Nº›</a:t>
             </a:fld>
             <a:endParaRPr lang="en-US" dirty="0"/>
           </a:p>
@@ -1641,7 +1641,7 @@
           <a:p>
             <a:fld id="{87DE6118-2437-4B30-8E3C-4D2BE6020583}" type="datetimeFigureOut">
               <a:rPr lang="en-US" dirty="0"/>
-              <a:t>7/22/2020</a:t>
+              <a:t>7/22/20</a:t>
             </a:fld>
             <a:endParaRPr lang="en-US" dirty="0"/>
           </a:p>
@@ -1683,7 +1683,7 @@
           <a:p>
             <a:fld id="{69E57DC2-970A-4B3E-BB1C-7A09969E49DF}" type="slidenum">
               <a:rPr lang="en-US" dirty="0"/>
-              <a:t>‹N›</a:t>
+              <a:t>‹Nº›</a:t>
             </a:fld>
             <a:endParaRPr lang="en-US" dirty="0"/>
           </a:p>
@@ -2113,7 +2113,7 @@
           <a:p>
             <a:fld id="{87DE6118-2437-4B30-8E3C-4D2BE6020583}" type="datetimeFigureOut">
               <a:rPr lang="en-US" dirty="0"/>
-              <a:t>7/22/2020</a:t>
+              <a:t>7/22/20</a:t>
             </a:fld>
             <a:endParaRPr lang="en-US" dirty="0"/>
           </a:p>
@@ -2155,7 +2155,7 @@
           <a:p>
             <a:fld id="{69E57DC2-970A-4B3E-BB1C-7A09969E49DF}" type="slidenum">
               <a:rPr lang="en-US" dirty="0"/>
-              <a:t>‹N›</a:t>
+              <a:t>‹Nº›</a:t>
             </a:fld>
             <a:endParaRPr lang="en-US" dirty="0"/>
           </a:p>
@@ -2226,7 +2226,7 @@
           <a:p>
             <a:fld id="{87DE6118-2437-4B30-8E3C-4D2BE6020583}" type="datetimeFigureOut">
               <a:rPr lang="en-US" dirty="0"/>
-              <a:t>7/22/2020</a:t>
+              <a:t>7/22/20</a:t>
             </a:fld>
             <a:endParaRPr lang="en-US" dirty="0"/>
           </a:p>
@@ -2268,7 +2268,7 @@
           <a:p>
             <a:fld id="{69E57DC2-970A-4B3E-BB1C-7A09969E49DF}" type="slidenum">
               <a:rPr lang="en-US" dirty="0"/>
-              <a:t>‹N›</a:t>
+              <a:t>‹Nº›</a:t>
             </a:fld>
             <a:endParaRPr lang="en-US" dirty="0"/>
           </a:p>
@@ -2316,7 +2316,7 @@
           <a:p>
             <a:fld id="{87DE6118-2437-4B30-8E3C-4D2BE6020583}" type="datetimeFigureOut">
               <a:rPr lang="en-US" dirty="0"/>
-              <a:t>7/22/2020</a:t>
+              <a:t>7/22/20</a:t>
             </a:fld>
             <a:endParaRPr lang="en-US" dirty="0"/>
           </a:p>
@@ -2358,7 +2358,7 @@
           <a:p>
             <a:fld id="{69E57DC2-970A-4B3E-BB1C-7A09969E49DF}" type="slidenum">
               <a:rPr lang="en-US" dirty="0"/>
-              <a:t>‹N›</a:t>
+              <a:t>‹Nº›</a:t>
             </a:fld>
             <a:endParaRPr lang="en-US" dirty="0"/>
           </a:p>
@@ -2658,7 +2658,7 @@
             <a:fld id="{87DE6118-2437-4B30-8E3C-4D2BE6020583}" type="datetimeFigureOut">
               <a:rPr lang="en-US" dirty="0"/>
               <a:pPr/>
-              <a:t>7/22/2020</a:t>
+              <a:t>7/22/20</a:t>
             </a:fld>
             <a:endParaRPr lang="en-US" dirty="0"/>
           </a:p>
@@ -2727,7 +2727,7 @@
             <a:fld id="{69E57DC2-970A-4B3E-BB1C-7A09969E49DF}" type="slidenum">
               <a:rPr lang="en-US" dirty="0"/>
               <a:pPr/>
-              <a:t>‹N›</a:t>
+              <a:t>‹Nº›</a:t>
             </a:fld>
             <a:endParaRPr lang="en-US" dirty="0"/>
           </a:p>
@@ -3043,7 +3043,7 @@
             <a:fld id="{87DE6118-2437-4B30-8E3C-4D2BE6020583}" type="datetimeFigureOut">
               <a:rPr lang="en-US" dirty="0"/>
               <a:pPr/>
-              <a:t>7/22/2020</a:t>
+              <a:t>7/22/20</a:t>
             </a:fld>
             <a:endParaRPr lang="en-US" dirty="0"/>
           </a:p>
@@ -3112,7 +3112,7 @@
             <a:fld id="{69E57DC2-970A-4B3E-BB1C-7A09969E49DF}" type="slidenum">
               <a:rPr lang="en-US" dirty="0"/>
               <a:pPr/>
-              <a:t>‹N›</a:t>
+              <a:t>‹Nº›</a:t>
             </a:fld>
             <a:endParaRPr lang="en-US" dirty="0"/>
           </a:p>
@@ -3318,7 +3318,7 @@
             <a:fld id="{87DE6118-2437-4B30-8E3C-4D2BE6020583}" type="datetimeFigureOut">
               <a:rPr lang="en-US" dirty="0"/>
               <a:pPr/>
-              <a:t>7/22/2020</a:t>
+              <a:t>7/22/20</a:t>
             </a:fld>
             <a:endParaRPr lang="en-US" dirty="0"/>
           </a:p>
@@ -3393,7 +3393,7 @@
             <a:fld id="{69E57DC2-970A-4B3E-BB1C-7A09969E49DF}" type="slidenum">
               <a:rPr lang="en-US" dirty="0"/>
               <a:pPr/>
-              <a:t>‹N›</a:t>
+              <a:t>‹Nº›</a:t>
             </a:fld>
             <a:endParaRPr lang="en-US" dirty="0"/>
           </a:p>
@@ -3871,62 +3871,58 @@
         </p:spPr>
         <p:txBody>
           <a:bodyPr vert="horz" lIns="91440" tIns="45720" rIns="91440" bIns="45720" rtlCol="0" anchor="t">
-            <a:normAutofit fontScale="92500" lnSpcReduction="10000"/>
+            <a:normAutofit fontScale="70000" lnSpcReduction="20000"/>
           </a:bodyPr>
           <a:lstStyle/>
           <a:p>
             <a:r>
-              <a:rPr lang="en-US" dirty="0">
-                <a:ea typeface="+mn-lt"/>
-                <a:cs typeface="+mn-lt"/>
-              </a:rPr>
-              <a:t>Saúl </a:t>
-            </a:r>
-            <a:r>
-              <a:rPr lang="en-US" dirty="0" err="1">
-                <a:ea typeface="+mn-lt"/>
-                <a:cs typeface="+mn-lt"/>
-              </a:rPr>
-              <a:t>Almazán</a:t>
-            </a:r>
-            <a:r>
-              <a:rPr lang="en-US" dirty="0">
-                <a:ea typeface="+mn-lt"/>
-                <a:cs typeface="+mn-lt"/>
-              </a:rPr>
-              <a:t> del Pie</a:t>
+              <a:rPr lang="es-ES" b="1" dirty="0"/>
+              <a:t>Middleware Technologies </a:t>
+            </a:r>
+            <a:r>
+              <a:rPr lang="es-ES" b="1" dirty="0" err="1"/>
+              <a:t>for</a:t>
+            </a:r>
+            <a:r>
+              <a:rPr lang="es-ES" b="1" dirty="0"/>
+              <a:t> </a:t>
+            </a:r>
+            <a:r>
+              <a:rPr lang="es-ES" b="1" dirty="0" err="1"/>
+              <a:t>Distributed</a:t>
+            </a:r>
+            <a:r>
+              <a:rPr lang="es-ES" b="1" dirty="0"/>
+              <a:t> </a:t>
+            </a:r>
+            <a:r>
+              <a:rPr lang="es-ES" b="1" dirty="0" err="1"/>
+              <a:t>Systems</a:t>
+            </a:r>
+            <a:r>
+              <a:rPr lang="es-ES" b="1" dirty="0"/>
+              <a:t> 2020</a:t>
+            </a:r>
+          </a:p>
+          <a:p>
+            <a:r>
+              <a:rPr lang="es-ES" dirty="0"/>
+              <a:t>Saúl Almazán del Pie</a:t>
+            </a:r>
+            <a:endParaRPr lang="es-ES" b="1" dirty="0"/>
+          </a:p>
+          <a:p>
+            <a:r>
+              <a:rPr lang="es-ES" dirty="0"/>
+              <a:t>Marina Alonso-Cortés</a:t>
+            </a:r>
+          </a:p>
+          <a:p>
+            <a:r>
+              <a:rPr lang="es-ES"/>
+              <a:t>Jorge Santisteban</a:t>
             </a:r>
             <a:endParaRPr lang="es-ES" dirty="0"/>
-          </a:p>
-          <a:p>
-            <a:r>
-              <a:rPr lang="en-US" dirty="0">
-                <a:ea typeface="+mn-lt"/>
-                <a:cs typeface="+mn-lt"/>
-              </a:rPr>
-              <a:t>Marina Alonso-Cortés </a:t>
-            </a:r>
-            <a:r>
-              <a:rPr lang="en-US" dirty="0" err="1">
-                <a:ea typeface="+mn-lt"/>
-                <a:cs typeface="+mn-lt"/>
-              </a:rPr>
-              <a:t>Lladó</a:t>
-            </a:r>
-            <a:endParaRPr lang="en-US" dirty="0" err="1"/>
-          </a:p>
-          <a:p>
-            <a:r>
-              <a:rPr lang="en-US" dirty="0">
-                <a:ea typeface="+mn-lt"/>
-                <a:cs typeface="+mn-lt"/>
-              </a:rPr>
-              <a:t>Jorge Santisteban Rivas</a:t>
-            </a:r>
-            <a:endParaRPr lang="en-US" dirty="0"/>
-          </a:p>
-          <a:p>
-            <a:endParaRPr lang="en-US" dirty="0"/>
           </a:p>
         </p:txBody>
       </p:sp>

--- a/Presentations/Presentation Apache Spark.pptx
+++ b/Presentations/Presentation Apache Spark.pptx
@@ -137,9 +137,574 @@
   <p1510:revLst>
     <p1510:client id="{10C9A53B-10E1-7745-2657-8C2201D6789A}" v="2826" dt="2020-07-22T18:04:43.774"/>
     <p1510:client id="{180CD944-EF97-4309-B5D5-FBA0A8997267}" v="3375" dt="2020-07-22T15:51:51.485"/>
+    <p1510:client id="{321E33EA-6259-D203-B6BD-9774BC7FC56A}" v="55" dt="2020-07-22T20:09:15.273"/>
     <p1510:client id="{B15AAF3B-EECD-6D96-5820-7433E538F9AF}" v="1" dt="2020-07-22T15:52:16.082"/>
   </p1510:revLst>
 </p1510:revInfo>
+</file>
+
+<file path=ppt/changesInfos/changesInfo1.xml><?xml version="1.0" encoding="utf-8"?>
+<pc:chgInfo xmlns:a="http://schemas.openxmlformats.org/drawingml/2006/main" xmlns:r="http://schemas.openxmlformats.org/officeDocument/2006/relationships" xmlns:ac="http://schemas.microsoft.com/office/drawing/2013/main/command" xmlns:pc="http://schemas.microsoft.com/office/powerpoint/2013/main/command">
+  <pc:docChgLst>
+    <pc:chgData name="Jorge Santisteban Rivas" userId="S::10724203@polimi.it::5ff062a9-8a9c-4d0e-997b-4f17f013ade6" providerId="AD" clId="Web-{10C9A53B-10E1-7745-2657-8C2201D6789A}"/>
+    <pc:docChg chg="addSld delSld modSld">
+      <pc:chgData name="Jorge Santisteban Rivas" userId="S::10724203@polimi.it::5ff062a9-8a9c-4d0e-997b-4f17f013ade6" providerId="AD" clId="Web-{10C9A53B-10E1-7745-2657-8C2201D6789A}" dt="2020-07-22T18:04:43.774" v="2806" actId="20577"/>
+      <pc:docMkLst>
+        <pc:docMk/>
+      </pc:docMkLst>
+      <pc:sldChg chg="modSp">
+        <pc:chgData name="Jorge Santisteban Rivas" userId="S::10724203@polimi.it::5ff062a9-8a9c-4d0e-997b-4f17f013ade6" providerId="AD" clId="Web-{10C9A53B-10E1-7745-2657-8C2201D6789A}" dt="2020-07-22T16:33:20.658" v="646" actId="1076"/>
+        <pc:sldMkLst>
+          <pc:docMk/>
+          <pc:sldMk cId="467166745" sldId="257"/>
+        </pc:sldMkLst>
+        <pc:spChg chg="mod">
+          <ac:chgData name="Jorge Santisteban Rivas" userId="S::10724203@polimi.it::5ff062a9-8a9c-4d0e-997b-4f17f013ade6" providerId="AD" clId="Web-{10C9A53B-10E1-7745-2657-8C2201D6789A}" dt="2020-07-22T16:33:20.658" v="646" actId="1076"/>
+          <ac:spMkLst>
+            <pc:docMk/>
+            <pc:sldMk cId="467166745" sldId="257"/>
+            <ac:spMk id="3" creationId="{A6E27F7F-6862-416D-9546-528883018805}"/>
+          </ac:spMkLst>
+        </pc:spChg>
+      </pc:sldChg>
+      <pc:sldChg chg="modSp">
+        <pc:chgData name="Jorge Santisteban Rivas" userId="S::10724203@polimi.it::5ff062a9-8a9c-4d0e-997b-4f17f013ade6" providerId="AD" clId="Web-{10C9A53B-10E1-7745-2657-8C2201D6789A}" dt="2020-07-22T16:33:55.377" v="662" actId="20577"/>
+        <pc:sldMkLst>
+          <pc:docMk/>
+          <pc:sldMk cId="1719737810" sldId="259"/>
+        </pc:sldMkLst>
+        <pc:spChg chg="mod">
+          <ac:chgData name="Jorge Santisteban Rivas" userId="S::10724203@polimi.it::5ff062a9-8a9c-4d0e-997b-4f17f013ade6" providerId="AD" clId="Web-{10C9A53B-10E1-7745-2657-8C2201D6789A}" dt="2020-07-22T16:33:55.377" v="662" actId="20577"/>
+          <ac:spMkLst>
+            <pc:docMk/>
+            <pc:sldMk cId="1719737810" sldId="259"/>
+            <ac:spMk id="3" creationId="{B5104DF5-9D2B-4EC7-949D-4D3687DA112C}"/>
+          </ac:spMkLst>
+        </pc:spChg>
+      </pc:sldChg>
+      <pc:sldChg chg="modSp">
+        <pc:chgData name="Jorge Santisteban Rivas" userId="S::10724203@polimi.it::5ff062a9-8a9c-4d0e-997b-4f17f013ade6" providerId="AD" clId="Web-{10C9A53B-10E1-7745-2657-8C2201D6789A}" dt="2020-07-22T16:33:59.033" v="664" actId="1076"/>
+        <pc:sldMkLst>
+          <pc:docMk/>
+          <pc:sldMk cId="837687356" sldId="260"/>
+        </pc:sldMkLst>
+        <pc:spChg chg="mod">
+          <ac:chgData name="Jorge Santisteban Rivas" userId="S::10724203@polimi.it::5ff062a9-8a9c-4d0e-997b-4f17f013ade6" providerId="AD" clId="Web-{10C9A53B-10E1-7745-2657-8C2201D6789A}" dt="2020-07-22T16:33:59.033" v="664" actId="1076"/>
+          <ac:spMkLst>
+            <pc:docMk/>
+            <pc:sldMk cId="837687356" sldId="260"/>
+            <ac:spMk id="3" creationId="{5CDE0898-5DBE-45FC-B2A6-3E9DF9746C65}"/>
+          </ac:spMkLst>
+        </pc:spChg>
+      </pc:sldChg>
+      <pc:sldChg chg="modSp">
+        <pc:chgData name="Jorge Santisteban Rivas" userId="S::10724203@polimi.it::5ff062a9-8a9c-4d0e-997b-4f17f013ade6" providerId="AD" clId="Web-{10C9A53B-10E1-7745-2657-8C2201D6789A}" dt="2020-07-22T15:59:42.700" v="106" actId="20577"/>
+        <pc:sldMkLst>
+          <pc:docMk/>
+          <pc:sldMk cId="2655773789" sldId="262"/>
+        </pc:sldMkLst>
+        <pc:spChg chg="mod">
+          <ac:chgData name="Jorge Santisteban Rivas" userId="S::10724203@polimi.it::5ff062a9-8a9c-4d0e-997b-4f17f013ade6" providerId="AD" clId="Web-{10C9A53B-10E1-7745-2657-8C2201D6789A}" dt="2020-07-22T15:59:42.700" v="106" actId="20577"/>
+          <ac:spMkLst>
+            <pc:docMk/>
+            <pc:sldMk cId="2655773789" sldId="262"/>
+            <ac:spMk id="2" creationId="{C195F389-7C04-464F-B91E-2AA33D0BCDC0}"/>
+          </ac:spMkLst>
+        </pc:spChg>
+        <pc:spChg chg="mod">
+          <ac:chgData name="Jorge Santisteban Rivas" userId="S::10724203@polimi.it::5ff062a9-8a9c-4d0e-997b-4f17f013ade6" providerId="AD" clId="Web-{10C9A53B-10E1-7745-2657-8C2201D6789A}" dt="2020-07-22T15:59:36.372" v="92" actId="20577"/>
+          <ac:spMkLst>
+            <pc:docMk/>
+            <pc:sldMk cId="2655773789" sldId="262"/>
+            <ac:spMk id="3" creationId="{CDF8BDF2-832B-4EF6-B0C8-03383294AA3C}"/>
+          </ac:spMkLst>
+        </pc:spChg>
+      </pc:sldChg>
+      <pc:sldChg chg="addSp modSp">
+        <pc:chgData name="Jorge Santisteban Rivas" userId="S::10724203@polimi.it::5ff062a9-8a9c-4d0e-997b-4f17f013ade6" providerId="AD" clId="Web-{10C9A53B-10E1-7745-2657-8C2201D6789A}" dt="2020-07-22T16:34:16.065" v="666" actId="1076"/>
+        <pc:sldMkLst>
+          <pc:docMk/>
+          <pc:sldMk cId="1339580196" sldId="263"/>
+        </pc:sldMkLst>
+        <pc:spChg chg="mod">
+          <ac:chgData name="Jorge Santisteban Rivas" userId="S::10724203@polimi.it::5ff062a9-8a9c-4d0e-997b-4f17f013ade6" providerId="AD" clId="Web-{10C9A53B-10E1-7745-2657-8C2201D6789A}" dt="2020-07-22T16:34:12.299" v="665" actId="1076"/>
+          <ac:spMkLst>
+            <pc:docMk/>
+            <pc:sldMk cId="1339580196" sldId="263"/>
+            <ac:spMk id="7" creationId="{60EE025E-F02F-4F62-AB5B-FF6BF6BF1F5A}"/>
+          </ac:spMkLst>
+        </pc:spChg>
+        <pc:picChg chg="add mod modCrop">
+          <ac:chgData name="Jorge Santisteban Rivas" userId="S::10724203@polimi.it::5ff062a9-8a9c-4d0e-997b-4f17f013ade6" providerId="AD" clId="Web-{10C9A53B-10E1-7745-2657-8C2201D6789A}" dt="2020-07-22T16:34:16.065" v="666" actId="1076"/>
+          <ac:picMkLst>
+            <pc:docMk/>
+            <pc:sldMk cId="1339580196" sldId="263"/>
+            <ac:picMk id="3" creationId="{BA2EE882-077B-42D5-8DA5-21A054CA5EA6}"/>
+          </ac:picMkLst>
+        </pc:picChg>
+      </pc:sldChg>
+      <pc:sldChg chg="addSp modSp">
+        <pc:chgData name="Jorge Santisteban Rivas" userId="S::10724203@polimi.it::5ff062a9-8a9c-4d0e-997b-4f17f013ade6" providerId="AD" clId="Web-{10C9A53B-10E1-7745-2657-8C2201D6789A}" dt="2020-07-22T18:02:34.241" v="2713" actId="20577"/>
+        <pc:sldMkLst>
+          <pc:docMk/>
+          <pc:sldMk cId="2801785805" sldId="264"/>
+        </pc:sldMkLst>
+        <pc:spChg chg="mod">
+          <ac:chgData name="Jorge Santisteban Rivas" userId="S::10724203@polimi.it::5ff062a9-8a9c-4d0e-997b-4f17f013ade6" providerId="AD" clId="Web-{10C9A53B-10E1-7745-2657-8C2201D6789A}" dt="2020-07-22T18:02:34.241" v="2713" actId="20577"/>
+          <ac:spMkLst>
+            <pc:docMk/>
+            <pc:sldMk cId="2801785805" sldId="264"/>
+            <ac:spMk id="3" creationId="{C93B1791-0546-4E53-9E1D-ECFBDB1148F0}"/>
+          </ac:spMkLst>
+        </pc:spChg>
+        <pc:picChg chg="add mod modCrop">
+          <ac:chgData name="Jorge Santisteban Rivas" userId="S::10724203@polimi.it::5ff062a9-8a9c-4d0e-997b-4f17f013ade6" providerId="AD" clId="Web-{10C9A53B-10E1-7745-2657-8C2201D6789A}" dt="2020-07-22T16:30:00.375" v="586" actId="1076"/>
+          <ac:picMkLst>
+            <pc:docMk/>
+            <pc:sldMk cId="2801785805" sldId="264"/>
+            <ac:picMk id="4" creationId="{6A1DF792-2EBE-4603-AA17-2247E029013E}"/>
+          </ac:picMkLst>
+        </pc:picChg>
+      </pc:sldChg>
+      <pc:sldChg chg="modSp">
+        <pc:chgData name="Jorge Santisteban Rivas" userId="S::10724203@polimi.it::5ff062a9-8a9c-4d0e-997b-4f17f013ade6" providerId="AD" clId="Web-{10C9A53B-10E1-7745-2657-8C2201D6789A}" dt="2020-07-22T16:31:07.016" v="600" actId="20577"/>
+        <pc:sldMkLst>
+          <pc:docMk/>
+          <pc:sldMk cId="886646088" sldId="265"/>
+        </pc:sldMkLst>
+        <pc:spChg chg="mod">
+          <ac:chgData name="Jorge Santisteban Rivas" userId="S::10724203@polimi.it::5ff062a9-8a9c-4d0e-997b-4f17f013ade6" providerId="AD" clId="Web-{10C9A53B-10E1-7745-2657-8C2201D6789A}" dt="2020-07-22T16:31:07.016" v="600" actId="20577"/>
+          <ac:spMkLst>
+            <pc:docMk/>
+            <pc:sldMk cId="886646088" sldId="265"/>
+            <ac:spMk id="3" creationId="{BA7F08B3-B6E4-42CB-865B-98E4C4F22FCD}"/>
+          </ac:spMkLst>
+        </pc:spChg>
+      </pc:sldChg>
+      <pc:sldChg chg="modSp">
+        <pc:chgData name="Jorge Santisteban Rivas" userId="S::10724203@polimi.it::5ff062a9-8a9c-4d0e-997b-4f17f013ade6" providerId="AD" clId="Web-{10C9A53B-10E1-7745-2657-8C2201D6789A}" dt="2020-07-22T17:39:51.753" v="1804" actId="1076"/>
+        <pc:sldMkLst>
+          <pc:docMk/>
+          <pc:sldMk cId="1426481181" sldId="266"/>
+        </pc:sldMkLst>
+        <pc:spChg chg="mod">
+          <ac:chgData name="Jorge Santisteban Rivas" userId="S::10724203@polimi.it::5ff062a9-8a9c-4d0e-997b-4f17f013ade6" providerId="AD" clId="Web-{10C9A53B-10E1-7745-2657-8C2201D6789A}" dt="2020-07-22T17:39:51.753" v="1804" actId="1076"/>
+          <ac:spMkLst>
+            <pc:docMk/>
+            <pc:sldMk cId="1426481181" sldId="266"/>
+            <ac:spMk id="3" creationId="{4BFB0A5B-4514-4908-A632-0AD806D7B1B4}"/>
+          </ac:spMkLst>
+        </pc:spChg>
+      </pc:sldChg>
+      <pc:sldChg chg="modSp">
+        <pc:chgData name="Jorge Santisteban Rivas" userId="S::10724203@polimi.it::5ff062a9-8a9c-4d0e-997b-4f17f013ade6" providerId="AD" clId="Web-{10C9A53B-10E1-7745-2657-8C2201D6789A}" dt="2020-07-22T17:35:15.773" v="1673" actId="20577"/>
+        <pc:sldMkLst>
+          <pc:docMk/>
+          <pc:sldMk cId="3159523851" sldId="267"/>
+        </pc:sldMkLst>
+        <pc:spChg chg="mod">
+          <ac:chgData name="Jorge Santisteban Rivas" userId="S::10724203@polimi.it::5ff062a9-8a9c-4d0e-997b-4f17f013ade6" providerId="AD" clId="Web-{10C9A53B-10E1-7745-2657-8C2201D6789A}" dt="2020-07-22T17:35:15.773" v="1673" actId="20577"/>
+          <ac:spMkLst>
+            <pc:docMk/>
+            <pc:sldMk cId="3159523851" sldId="267"/>
+            <ac:spMk id="3" creationId="{46E2065C-C915-4653-A1D2-204AD3191300}"/>
+          </ac:spMkLst>
+        </pc:spChg>
+      </pc:sldChg>
+      <pc:sldChg chg="modSp">
+        <pc:chgData name="Jorge Santisteban Rivas" userId="S::10724203@polimi.it::5ff062a9-8a9c-4d0e-997b-4f17f013ade6" providerId="AD" clId="Web-{10C9A53B-10E1-7745-2657-8C2201D6789A}" dt="2020-07-22T17:36:48.214" v="1780" actId="1076"/>
+        <pc:sldMkLst>
+          <pc:docMk/>
+          <pc:sldMk cId="2826796716" sldId="268"/>
+        </pc:sldMkLst>
+        <pc:spChg chg="mod">
+          <ac:chgData name="Jorge Santisteban Rivas" userId="S::10724203@polimi.it::5ff062a9-8a9c-4d0e-997b-4f17f013ade6" providerId="AD" clId="Web-{10C9A53B-10E1-7745-2657-8C2201D6789A}" dt="2020-07-22T17:36:48.214" v="1780" actId="1076"/>
+          <ac:spMkLst>
+            <pc:docMk/>
+            <pc:sldMk cId="2826796716" sldId="268"/>
+            <ac:spMk id="3" creationId="{2E9BFEAF-0A74-4C52-B1EF-D4320AFDA444}"/>
+          </ac:spMkLst>
+        </pc:spChg>
+      </pc:sldChg>
+      <pc:sldChg chg="modSp">
+        <pc:chgData name="Jorge Santisteban Rivas" userId="S::10724203@polimi.it::5ff062a9-8a9c-4d0e-997b-4f17f013ade6" providerId="AD" clId="Web-{10C9A53B-10E1-7745-2657-8C2201D6789A}" dt="2020-07-22T17:35:48.508" v="1686" actId="20577"/>
+        <pc:sldMkLst>
+          <pc:docMk/>
+          <pc:sldMk cId="3432670382" sldId="270"/>
+        </pc:sldMkLst>
+        <pc:spChg chg="mod">
+          <ac:chgData name="Jorge Santisteban Rivas" userId="S::10724203@polimi.it::5ff062a9-8a9c-4d0e-997b-4f17f013ade6" providerId="AD" clId="Web-{10C9A53B-10E1-7745-2657-8C2201D6789A}" dt="2020-07-22T17:35:48.508" v="1686" actId="20577"/>
+          <ac:spMkLst>
+            <pc:docMk/>
+            <pc:sldMk cId="3432670382" sldId="270"/>
+            <ac:spMk id="3" creationId="{A230D4F2-C2C2-4C42-986A-196D287909F7}"/>
+          </ac:spMkLst>
+        </pc:spChg>
+      </pc:sldChg>
+      <pc:sldChg chg="del">
+        <pc:chgData name="Jorge Santisteban Rivas" userId="S::10724203@polimi.it::5ff062a9-8a9c-4d0e-997b-4f17f013ade6" providerId="AD" clId="Web-{10C9A53B-10E1-7745-2657-8C2201D6789A}" dt="2020-07-22T17:36:12.274" v="1689"/>
+        <pc:sldMkLst>
+          <pc:docMk/>
+          <pc:sldMk cId="207774989" sldId="271"/>
+        </pc:sldMkLst>
+      </pc:sldChg>
+      <pc:sldChg chg="del">
+        <pc:chgData name="Jorge Santisteban Rivas" userId="S::10724203@polimi.it::5ff062a9-8a9c-4d0e-997b-4f17f013ade6" providerId="AD" clId="Web-{10C9A53B-10E1-7745-2657-8C2201D6789A}" dt="2020-07-22T17:36:12.274" v="1688"/>
+        <pc:sldMkLst>
+          <pc:docMk/>
+          <pc:sldMk cId="166723342" sldId="272"/>
+        </pc:sldMkLst>
+      </pc:sldChg>
+      <pc:sldChg chg="modSp">
+        <pc:chgData name="Jorge Santisteban Rivas" userId="S::10724203@polimi.it::5ff062a9-8a9c-4d0e-997b-4f17f013ade6" providerId="AD" clId="Web-{10C9A53B-10E1-7745-2657-8C2201D6789A}" dt="2020-07-22T18:03:09.242" v="2733" actId="20577"/>
+        <pc:sldMkLst>
+          <pc:docMk/>
+          <pc:sldMk cId="2336424401" sldId="273"/>
+        </pc:sldMkLst>
+        <pc:spChg chg="mod">
+          <ac:chgData name="Jorge Santisteban Rivas" userId="S::10724203@polimi.it::5ff062a9-8a9c-4d0e-997b-4f17f013ade6" providerId="AD" clId="Web-{10C9A53B-10E1-7745-2657-8C2201D6789A}" dt="2020-07-22T17:52:09.139" v="2178" actId="20577"/>
+          <ac:spMkLst>
+            <pc:docMk/>
+            <pc:sldMk cId="2336424401" sldId="273"/>
+            <ac:spMk id="2" creationId="{887AEEFA-F428-4DE2-A66B-22CC011BB915}"/>
+          </ac:spMkLst>
+        </pc:spChg>
+        <pc:spChg chg="mod">
+          <ac:chgData name="Jorge Santisteban Rivas" userId="S::10724203@polimi.it::5ff062a9-8a9c-4d0e-997b-4f17f013ade6" providerId="AD" clId="Web-{10C9A53B-10E1-7745-2657-8C2201D6789A}" dt="2020-07-22T18:03:09.242" v="2733" actId="20577"/>
+          <ac:spMkLst>
+            <pc:docMk/>
+            <pc:sldMk cId="2336424401" sldId="273"/>
+            <ac:spMk id="3" creationId="{EC857930-6097-46CA-84CC-DEE99C7432EA}"/>
+          </ac:spMkLst>
+        </pc:spChg>
+      </pc:sldChg>
+      <pc:sldChg chg="addSp modSp new">
+        <pc:chgData name="Jorge Santisteban Rivas" userId="S::10724203@polimi.it::5ff062a9-8a9c-4d0e-997b-4f17f013ade6" providerId="AD" clId="Web-{10C9A53B-10E1-7745-2657-8C2201D6789A}" dt="2020-07-22T16:40:16.584" v="964" actId="1076"/>
+        <pc:sldMkLst>
+          <pc:docMk/>
+          <pc:sldMk cId="3194364749" sldId="274"/>
+        </pc:sldMkLst>
+        <pc:spChg chg="mod">
+          <ac:chgData name="Jorge Santisteban Rivas" userId="S::10724203@polimi.it::5ff062a9-8a9c-4d0e-997b-4f17f013ade6" providerId="AD" clId="Web-{10C9A53B-10E1-7745-2657-8C2201D6789A}" dt="2020-07-22T16:34:34.206" v="690" actId="20577"/>
+          <ac:spMkLst>
+            <pc:docMk/>
+            <pc:sldMk cId="3194364749" sldId="274"/>
+            <ac:spMk id="2" creationId="{938491DE-51F0-4D8A-A5F6-2585D952AA41}"/>
+          </ac:spMkLst>
+        </pc:spChg>
+        <pc:spChg chg="mod">
+          <ac:chgData name="Jorge Santisteban Rivas" userId="S::10724203@polimi.it::5ff062a9-8a9c-4d0e-997b-4f17f013ade6" providerId="AD" clId="Web-{10C9A53B-10E1-7745-2657-8C2201D6789A}" dt="2020-07-22T16:39:17.990" v="953" actId="20577"/>
+          <ac:spMkLst>
+            <pc:docMk/>
+            <pc:sldMk cId="3194364749" sldId="274"/>
+            <ac:spMk id="3" creationId="{F3522445-0C12-4217-9296-2C02278F3FBA}"/>
+          </ac:spMkLst>
+        </pc:spChg>
+        <pc:picChg chg="add mod modCrop">
+          <ac:chgData name="Jorge Santisteban Rivas" userId="S::10724203@polimi.it::5ff062a9-8a9c-4d0e-997b-4f17f013ade6" providerId="AD" clId="Web-{10C9A53B-10E1-7745-2657-8C2201D6789A}" dt="2020-07-22T16:40:16.584" v="964" actId="1076"/>
+          <ac:picMkLst>
+            <pc:docMk/>
+            <pc:sldMk cId="3194364749" sldId="274"/>
+            <ac:picMk id="4" creationId="{9B9F7063-D40D-4234-9F39-9E63CA0525E3}"/>
+          </ac:picMkLst>
+        </pc:picChg>
+      </pc:sldChg>
+      <pc:sldChg chg="addSp delSp modSp new">
+        <pc:chgData name="Jorge Santisteban Rivas" userId="S::10724203@polimi.it::5ff062a9-8a9c-4d0e-997b-4f17f013ade6" providerId="AD" clId="Web-{10C9A53B-10E1-7745-2657-8C2201D6789A}" dt="2020-07-22T17:46:13.712" v="1823" actId="1076"/>
+        <pc:sldMkLst>
+          <pc:docMk/>
+          <pc:sldMk cId="3867090672" sldId="275"/>
+        </pc:sldMkLst>
+        <pc:spChg chg="del">
+          <ac:chgData name="Jorge Santisteban Rivas" userId="S::10724203@polimi.it::5ff062a9-8a9c-4d0e-997b-4f17f013ade6" providerId="AD" clId="Web-{10C9A53B-10E1-7745-2657-8C2201D6789A}" dt="2020-07-22T17:44:44.038" v="1806"/>
+          <ac:spMkLst>
+            <pc:docMk/>
+            <pc:sldMk cId="3867090672" sldId="275"/>
+            <ac:spMk id="3" creationId="{390D7887-CE1B-44C1-8048-03C1B02A9C38}"/>
+          </ac:spMkLst>
+        </pc:spChg>
+        <pc:picChg chg="add mod ord modCrop">
+          <ac:chgData name="Jorge Santisteban Rivas" userId="S::10724203@polimi.it::5ff062a9-8a9c-4d0e-997b-4f17f013ade6" providerId="AD" clId="Web-{10C9A53B-10E1-7745-2657-8C2201D6789A}" dt="2020-07-22T17:46:13.712" v="1823" actId="1076"/>
+          <ac:picMkLst>
+            <pc:docMk/>
+            <pc:sldMk cId="3867090672" sldId="275"/>
+            <ac:picMk id="4" creationId="{2AA3238C-675A-4217-A499-FA54CFAC52BD}"/>
+          </ac:picMkLst>
+        </pc:picChg>
+      </pc:sldChg>
+      <pc:sldChg chg="addSp delSp modSp new">
+        <pc:chgData name="Jorge Santisteban Rivas" userId="S::10724203@polimi.it::5ff062a9-8a9c-4d0e-997b-4f17f013ade6" providerId="AD" clId="Web-{10C9A53B-10E1-7745-2657-8C2201D6789A}" dt="2020-07-22T17:51:26.075" v="2126" actId="1076"/>
+        <pc:sldMkLst>
+          <pc:docMk/>
+          <pc:sldMk cId="2212381862" sldId="276"/>
+        </pc:sldMkLst>
+        <pc:spChg chg="del">
+          <ac:chgData name="Jorge Santisteban Rivas" userId="S::10724203@polimi.it::5ff062a9-8a9c-4d0e-997b-4f17f013ade6" providerId="AD" clId="Web-{10C9A53B-10E1-7745-2657-8C2201D6789A}" dt="2020-07-22T17:51:02.763" v="2122"/>
+          <ac:spMkLst>
+            <pc:docMk/>
+            <pc:sldMk cId="2212381862" sldId="276"/>
+            <ac:spMk id="2" creationId="{A7E7BE1C-27BE-45C8-B56D-73A20B0029F5}"/>
+          </ac:spMkLst>
+        </pc:spChg>
+        <pc:spChg chg="del">
+          <ac:chgData name="Jorge Santisteban Rivas" userId="S::10724203@polimi.it::5ff062a9-8a9c-4d0e-997b-4f17f013ade6" providerId="AD" clId="Web-{10C9A53B-10E1-7745-2657-8C2201D6789A}" dt="2020-07-22T17:48:59.402" v="2113"/>
+          <ac:spMkLst>
+            <pc:docMk/>
+            <pc:sldMk cId="2212381862" sldId="276"/>
+            <ac:spMk id="3" creationId="{BDDD1705-92C6-4582-B030-5B6D708B7C1D}"/>
+          </ac:spMkLst>
+        </pc:spChg>
+        <pc:picChg chg="add mod ord modCrop">
+          <ac:chgData name="Jorge Santisteban Rivas" userId="S::10724203@polimi.it::5ff062a9-8a9c-4d0e-997b-4f17f013ade6" providerId="AD" clId="Web-{10C9A53B-10E1-7745-2657-8C2201D6789A}" dt="2020-07-22T17:51:26.075" v="2126" actId="1076"/>
+          <ac:picMkLst>
+            <pc:docMk/>
+            <pc:sldMk cId="2212381862" sldId="276"/>
+            <ac:picMk id="4" creationId="{5AD74B9F-1FC1-4894-9126-C618418BD51F}"/>
+          </ac:picMkLst>
+        </pc:picChg>
+      </pc:sldChg>
+      <pc:sldChg chg="modSp new">
+        <pc:chgData name="Jorge Santisteban Rivas" userId="S::10724203@polimi.it::5ff062a9-8a9c-4d0e-997b-4f17f013ade6" providerId="AD" clId="Web-{10C9A53B-10E1-7745-2657-8C2201D6789A}" dt="2020-07-22T16:46:35.604" v="1342" actId="20577"/>
+        <pc:sldMkLst>
+          <pc:docMk/>
+          <pc:sldMk cId="3582716172" sldId="277"/>
+        </pc:sldMkLst>
+        <pc:spChg chg="mod">
+          <ac:chgData name="Jorge Santisteban Rivas" userId="S::10724203@polimi.it::5ff062a9-8a9c-4d0e-997b-4f17f013ade6" providerId="AD" clId="Web-{10C9A53B-10E1-7745-2657-8C2201D6789A}" dt="2020-07-22T16:42:39.773" v="981" actId="20577"/>
+          <ac:spMkLst>
+            <pc:docMk/>
+            <pc:sldMk cId="3582716172" sldId="277"/>
+            <ac:spMk id="2" creationId="{DBA4962C-3AB1-4A59-821E-6125A0E45102}"/>
+          </ac:spMkLst>
+        </pc:spChg>
+        <pc:spChg chg="mod">
+          <ac:chgData name="Jorge Santisteban Rivas" userId="S::10724203@polimi.it::5ff062a9-8a9c-4d0e-997b-4f17f013ade6" providerId="AD" clId="Web-{10C9A53B-10E1-7745-2657-8C2201D6789A}" dt="2020-07-22T16:46:35.604" v="1342" actId="20577"/>
+          <ac:spMkLst>
+            <pc:docMk/>
+            <pc:sldMk cId="3582716172" sldId="277"/>
+            <ac:spMk id="3" creationId="{04155ADA-5DB7-4302-8C00-F826D2785971}"/>
+          </ac:spMkLst>
+        </pc:spChg>
+      </pc:sldChg>
+      <pc:sldChg chg="addSp modSp new">
+        <pc:chgData name="Jorge Santisteban Rivas" userId="S::10724203@polimi.it::5ff062a9-8a9c-4d0e-997b-4f17f013ade6" providerId="AD" clId="Web-{10C9A53B-10E1-7745-2657-8C2201D6789A}" dt="2020-07-22T17:48:37.026" v="2111" actId="1076"/>
+        <pc:sldMkLst>
+          <pc:docMk/>
+          <pc:sldMk cId="2333814602" sldId="278"/>
+        </pc:sldMkLst>
+        <pc:spChg chg="mod">
+          <ac:chgData name="Jorge Santisteban Rivas" userId="S::10724203@polimi.it::5ff062a9-8a9c-4d0e-997b-4f17f013ade6" providerId="AD" clId="Web-{10C9A53B-10E1-7745-2657-8C2201D6789A}" dt="2020-07-22T17:47:32.228" v="2042" actId="20577"/>
+          <ac:spMkLst>
+            <pc:docMk/>
+            <pc:sldMk cId="2333814602" sldId="278"/>
+            <ac:spMk id="2" creationId="{13A4B190-8E56-4941-B911-517B2C0C2890}"/>
+          </ac:spMkLst>
+        </pc:spChg>
+        <pc:spChg chg="mod">
+          <ac:chgData name="Jorge Santisteban Rivas" userId="S::10724203@polimi.it::5ff062a9-8a9c-4d0e-997b-4f17f013ade6" providerId="AD" clId="Web-{10C9A53B-10E1-7745-2657-8C2201D6789A}" dt="2020-07-22T17:48:23.917" v="2106" actId="20577"/>
+          <ac:spMkLst>
+            <pc:docMk/>
+            <pc:sldMk cId="2333814602" sldId="278"/>
+            <ac:spMk id="3" creationId="{2E510998-8FE6-4499-9BE1-8F06D4CD60BD}"/>
+          </ac:spMkLst>
+        </pc:spChg>
+        <pc:picChg chg="add mod modCrop">
+          <ac:chgData name="Jorge Santisteban Rivas" userId="S::10724203@polimi.it::5ff062a9-8a9c-4d0e-997b-4f17f013ade6" providerId="AD" clId="Web-{10C9A53B-10E1-7745-2657-8C2201D6789A}" dt="2020-07-22T17:48:37.026" v="2111" actId="1076"/>
+          <ac:picMkLst>
+            <pc:docMk/>
+            <pc:sldMk cId="2333814602" sldId="278"/>
+            <ac:picMk id="4" creationId="{BB685FA8-6F84-44EE-87FB-E44552308A69}"/>
+          </ac:picMkLst>
+        </pc:picChg>
+      </pc:sldChg>
+      <pc:sldChg chg="addSp modSp new">
+        <pc:chgData name="Jorge Santisteban Rivas" userId="S::10724203@polimi.it::5ff062a9-8a9c-4d0e-997b-4f17f013ade6" providerId="AD" clId="Web-{10C9A53B-10E1-7745-2657-8C2201D6789A}" dt="2020-07-22T17:38:36.627" v="1792" actId="1076"/>
+        <pc:sldMkLst>
+          <pc:docMk/>
+          <pc:sldMk cId="2313130433" sldId="279"/>
+        </pc:sldMkLst>
+        <pc:spChg chg="mod">
+          <ac:chgData name="Jorge Santisteban Rivas" userId="S::10724203@polimi.it::5ff062a9-8a9c-4d0e-997b-4f17f013ade6" providerId="AD" clId="Web-{10C9A53B-10E1-7745-2657-8C2201D6789A}" dt="2020-07-22T17:33:36.506" v="1559" actId="20577"/>
+          <ac:spMkLst>
+            <pc:docMk/>
+            <pc:sldMk cId="2313130433" sldId="279"/>
+            <ac:spMk id="2" creationId="{B14C9417-3DDB-4258-998B-0CB1F9716D72}"/>
+          </ac:spMkLst>
+        </pc:spChg>
+        <pc:spChg chg="mod">
+          <ac:chgData name="Jorge Santisteban Rivas" userId="S::10724203@polimi.it::5ff062a9-8a9c-4d0e-997b-4f17f013ade6" providerId="AD" clId="Web-{10C9A53B-10E1-7745-2657-8C2201D6789A}" dt="2020-07-22T17:33:51.194" v="1631" actId="20577"/>
+          <ac:spMkLst>
+            <pc:docMk/>
+            <pc:sldMk cId="2313130433" sldId="279"/>
+            <ac:spMk id="3" creationId="{D9D43F34-C141-4F1C-ABFF-85E54ADBCA15}"/>
+          </ac:spMkLst>
+        </pc:spChg>
+        <pc:picChg chg="add mod modCrop">
+          <ac:chgData name="Jorge Santisteban Rivas" userId="S::10724203@polimi.it::5ff062a9-8a9c-4d0e-997b-4f17f013ade6" providerId="AD" clId="Web-{10C9A53B-10E1-7745-2657-8C2201D6789A}" dt="2020-07-22T17:38:36.627" v="1792" actId="1076"/>
+          <ac:picMkLst>
+            <pc:docMk/>
+            <pc:sldMk cId="2313130433" sldId="279"/>
+            <ac:picMk id="4" creationId="{C3AD5850-DD3F-4D9A-BCD6-6748ACBB33F1}"/>
+          </ac:picMkLst>
+        </pc:picChg>
+      </pc:sldChg>
+      <pc:sldChg chg="addSp delSp modSp new">
+        <pc:chgData name="Jorge Santisteban Rivas" userId="S::10724203@polimi.it::5ff062a9-8a9c-4d0e-997b-4f17f013ade6" providerId="AD" clId="Web-{10C9A53B-10E1-7745-2657-8C2201D6789A}" dt="2020-07-22T17:54:13.203" v="2337" actId="1076"/>
+        <pc:sldMkLst>
+          <pc:docMk/>
+          <pc:sldMk cId="15283136" sldId="280"/>
+        </pc:sldMkLst>
+        <pc:spChg chg="del">
+          <ac:chgData name="Jorge Santisteban Rivas" userId="S::10724203@polimi.it::5ff062a9-8a9c-4d0e-997b-4f17f013ade6" providerId="AD" clId="Web-{10C9A53B-10E1-7745-2657-8C2201D6789A}" dt="2020-07-22T17:51:43.654" v="2127"/>
+          <ac:spMkLst>
+            <pc:docMk/>
+            <pc:sldMk cId="15283136" sldId="280"/>
+            <ac:spMk id="3" creationId="{4066980B-734E-4F9B-B7BF-CC6E1D759609}"/>
+          </ac:spMkLst>
+        </pc:spChg>
+        <pc:picChg chg="add mod ord modCrop">
+          <ac:chgData name="Jorge Santisteban Rivas" userId="S::10724203@polimi.it::5ff062a9-8a9c-4d0e-997b-4f17f013ade6" providerId="AD" clId="Web-{10C9A53B-10E1-7745-2657-8C2201D6789A}" dt="2020-07-22T17:54:13.203" v="2337" actId="1076"/>
+          <ac:picMkLst>
+            <pc:docMk/>
+            <pc:sldMk cId="15283136" sldId="280"/>
+            <ac:picMk id="4" creationId="{0BA7EF79-1DFC-4656-9F69-999775006E85}"/>
+          </ac:picMkLst>
+        </pc:picChg>
+      </pc:sldChg>
+      <pc:sldChg chg="addSp modSp new">
+        <pc:chgData name="Jorge Santisteban Rivas" userId="S::10724203@polimi.it::5ff062a9-8a9c-4d0e-997b-4f17f013ade6" providerId="AD" clId="Web-{10C9A53B-10E1-7745-2657-8C2201D6789A}" dt="2020-07-22T18:04:43.774" v="2805" actId="20577"/>
+        <pc:sldMkLst>
+          <pc:docMk/>
+          <pc:sldMk cId="3060847146" sldId="281"/>
+        </pc:sldMkLst>
+        <pc:spChg chg="mod">
+          <ac:chgData name="Jorge Santisteban Rivas" userId="S::10724203@polimi.it::5ff062a9-8a9c-4d0e-997b-4f17f013ade6" providerId="AD" clId="Web-{10C9A53B-10E1-7745-2657-8C2201D6789A}" dt="2020-07-22T18:00:35.646" v="2640" actId="20577"/>
+          <ac:spMkLst>
+            <pc:docMk/>
+            <pc:sldMk cId="3060847146" sldId="281"/>
+            <ac:spMk id="2" creationId="{1DF306CF-C8B1-4B34-8D34-5A4FACA46EDD}"/>
+          </ac:spMkLst>
+        </pc:spChg>
+        <pc:spChg chg="mod">
+          <ac:chgData name="Jorge Santisteban Rivas" userId="S::10724203@polimi.it::5ff062a9-8a9c-4d0e-997b-4f17f013ade6" providerId="AD" clId="Web-{10C9A53B-10E1-7745-2657-8C2201D6789A}" dt="2020-07-22T18:04:43.774" v="2805" actId="20577"/>
+          <ac:spMkLst>
+            <pc:docMk/>
+            <pc:sldMk cId="3060847146" sldId="281"/>
+            <ac:spMk id="3" creationId="{195AF60D-795B-4878-B75E-E449A340D374}"/>
+          </ac:spMkLst>
+        </pc:spChg>
+        <pc:picChg chg="add mod modCrop">
+          <ac:chgData name="Jorge Santisteban Rivas" userId="S::10724203@polimi.it::5ff062a9-8a9c-4d0e-997b-4f17f013ade6" providerId="AD" clId="Web-{10C9A53B-10E1-7745-2657-8C2201D6789A}" dt="2020-07-22T18:03:21.570" v="2740" actId="1076"/>
+          <ac:picMkLst>
+            <pc:docMk/>
+            <pc:sldMk cId="3060847146" sldId="281"/>
+            <ac:picMk id="4" creationId="{FA877BAD-2389-4437-8228-2F897593D363}"/>
+          </ac:picMkLst>
+        </pc:picChg>
+      </pc:sldChg>
+      <pc:sldChg chg="modSp new del">
+        <pc:chgData name="Jorge Santisteban Rivas" userId="S::10724203@polimi.it::5ff062a9-8a9c-4d0e-997b-4f17f013ade6" providerId="AD" clId="Web-{10C9A53B-10E1-7745-2657-8C2201D6789A}" dt="2020-07-22T17:48:39.698" v="2112"/>
+        <pc:sldMkLst>
+          <pc:docMk/>
+          <pc:sldMk cId="3912914040" sldId="281"/>
+        </pc:sldMkLst>
+        <pc:spChg chg="mod">
+          <ac:chgData name="Jorge Santisteban Rivas" userId="S::10724203@polimi.it::5ff062a9-8a9c-4d0e-997b-4f17f013ade6" providerId="AD" clId="Web-{10C9A53B-10E1-7745-2657-8C2201D6789A}" dt="2020-07-22T17:44:56.992" v="1809" actId="20577"/>
+          <ac:spMkLst>
+            <pc:docMk/>
+            <pc:sldMk cId="3912914040" sldId="281"/>
+            <ac:spMk id="2" creationId="{43F734EA-30FB-478E-B3E7-DDFB70CC2189}"/>
+          </ac:spMkLst>
+        </pc:spChg>
+        <pc:spChg chg="mod">
+          <ac:chgData name="Jorge Santisteban Rivas" userId="S::10724203@polimi.it::5ff062a9-8a9c-4d0e-997b-4f17f013ade6" providerId="AD" clId="Web-{10C9A53B-10E1-7745-2657-8C2201D6789A}" dt="2020-07-22T17:47:21.838" v="2019" actId="20577"/>
+          <ac:spMkLst>
+            <pc:docMk/>
+            <pc:sldMk cId="3912914040" sldId="281"/>
+            <ac:spMk id="3" creationId="{AA1CB0F0-332D-43E3-AB43-64A806706E6C}"/>
+          </ac:spMkLst>
+        </pc:spChg>
+      </pc:sldChg>
+    </pc:docChg>
+  </pc:docChgLst>
+  <pc:docChgLst>
+    <pc:chgData name="Jorge Santisteban Rivas" userId="S::10724203@polimi.it::5ff062a9-8a9c-4d0e-997b-4f17f013ade6" providerId="AD" clId="Web-{321E33EA-6259-D203-B6BD-9774BC7FC56A}"/>
+    <pc:docChg chg="modSld">
+      <pc:chgData name="Jorge Santisteban Rivas" userId="S::10724203@polimi.it::5ff062a9-8a9c-4d0e-997b-4f17f013ade6" providerId="AD" clId="Web-{321E33EA-6259-D203-B6BD-9774BC7FC56A}" dt="2020-07-22T20:09:15.273" v="48" actId="1076"/>
+      <pc:docMkLst>
+        <pc:docMk/>
+      </pc:docMkLst>
+      <pc:sldChg chg="modSp">
+        <pc:chgData name="Jorge Santisteban Rivas" userId="S::10724203@polimi.it::5ff062a9-8a9c-4d0e-997b-4f17f013ade6" providerId="AD" clId="Web-{321E33EA-6259-D203-B6BD-9774BC7FC56A}" dt="2020-07-22T20:00:01.752" v="0" actId="20577"/>
+        <pc:sldMkLst>
+          <pc:docMk/>
+          <pc:sldMk cId="3601082625" sldId="256"/>
+        </pc:sldMkLst>
+        <pc:spChg chg="mod">
+          <ac:chgData name="Jorge Santisteban Rivas" userId="S::10724203@polimi.it::5ff062a9-8a9c-4d0e-997b-4f17f013ade6" providerId="AD" clId="Web-{321E33EA-6259-D203-B6BD-9774BC7FC56A}" dt="2020-07-22T20:00:01.752" v="0" actId="20577"/>
+          <ac:spMkLst>
+            <pc:docMk/>
+            <pc:sldMk cId="3601082625" sldId="256"/>
+            <ac:spMk id="3" creationId="{00000000-0000-0000-0000-000000000000}"/>
+          </ac:spMkLst>
+        </pc:spChg>
+      </pc:sldChg>
+      <pc:sldChg chg="modSp">
+        <pc:chgData name="Jorge Santisteban Rivas" userId="S::10724203@polimi.it::5ff062a9-8a9c-4d0e-997b-4f17f013ade6" providerId="AD" clId="Web-{321E33EA-6259-D203-B6BD-9774BC7FC56A}" dt="2020-07-22T20:08:09.816" v="16" actId="20577"/>
+        <pc:sldMkLst>
+          <pc:docMk/>
+          <pc:sldMk cId="1426481181" sldId="266"/>
+        </pc:sldMkLst>
+        <pc:spChg chg="mod">
+          <ac:chgData name="Jorge Santisteban Rivas" userId="S::10724203@polimi.it::5ff062a9-8a9c-4d0e-997b-4f17f013ade6" providerId="AD" clId="Web-{321E33EA-6259-D203-B6BD-9774BC7FC56A}" dt="2020-07-22T20:08:09.816" v="16" actId="20577"/>
+          <ac:spMkLst>
+            <pc:docMk/>
+            <pc:sldMk cId="1426481181" sldId="266"/>
+            <ac:spMk id="2" creationId="{0EA96122-D10A-4623-ABAE-DE18D6DA221C}"/>
+          </ac:spMkLst>
+        </pc:spChg>
+      </pc:sldChg>
+      <pc:sldChg chg="modSp">
+        <pc:chgData name="Jorge Santisteban Rivas" userId="S::10724203@polimi.it::5ff062a9-8a9c-4d0e-997b-4f17f013ade6" providerId="AD" clId="Web-{321E33EA-6259-D203-B6BD-9774BC7FC56A}" dt="2020-07-22T20:08:31.378" v="28" actId="14100"/>
+        <pc:sldMkLst>
+          <pc:docMk/>
+          <pc:sldMk cId="3159523851" sldId="267"/>
+        </pc:sldMkLst>
+        <pc:spChg chg="mod">
+          <ac:chgData name="Jorge Santisteban Rivas" userId="S::10724203@polimi.it::5ff062a9-8a9c-4d0e-997b-4f17f013ade6" providerId="AD" clId="Web-{321E33EA-6259-D203-B6BD-9774BC7FC56A}" dt="2020-07-22T20:08:31.378" v="28" actId="14100"/>
+          <ac:spMkLst>
+            <pc:docMk/>
+            <pc:sldMk cId="3159523851" sldId="267"/>
+            <ac:spMk id="2" creationId="{AC297E21-093A-4232-A2E4-9689891F5423}"/>
+          </ac:spMkLst>
+        </pc:spChg>
+      </pc:sldChg>
+      <pc:sldChg chg="modSp">
+        <pc:chgData name="Jorge Santisteban Rivas" userId="S::10724203@polimi.it::5ff062a9-8a9c-4d0e-997b-4f17f013ade6" providerId="AD" clId="Web-{321E33EA-6259-D203-B6BD-9774BC7FC56A}" dt="2020-07-22T20:09:15.273" v="48" actId="1076"/>
+        <pc:sldMkLst>
+          <pc:docMk/>
+          <pc:sldMk cId="2826796716" sldId="268"/>
+        </pc:sldMkLst>
+        <pc:spChg chg="mod">
+          <ac:chgData name="Jorge Santisteban Rivas" userId="S::10724203@polimi.it::5ff062a9-8a9c-4d0e-997b-4f17f013ade6" providerId="AD" clId="Web-{321E33EA-6259-D203-B6BD-9774BC7FC56A}" dt="2020-07-22T20:09:11.757" v="47" actId="1076"/>
+          <ac:spMkLst>
+            <pc:docMk/>
+            <pc:sldMk cId="2826796716" sldId="268"/>
+            <ac:spMk id="2" creationId="{D4BD9DE5-604E-4380-9420-F1EC9B208412}"/>
+          </ac:spMkLst>
+        </pc:spChg>
+        <pc:spChg chg="mod">
+          <ac:chgData name="Jorge Santisteban Rivas" userId="S::10724203@polimi.it::5ff062a9-8a9c-4d0e-997b-4f17f013ade6" providerId="AD" clId="Web-{321E33EA-6259-D203-B6BD-9774BC7FC56A}" dt="2020-07-22T20:09:15.273" v="48" actId="1076"/>
+          <ac:spMkLst>
+            <pc:docMk/>
+            <pc:sldMk cId="2826796716" sldId="268"/>
+            <ac:spMk id="3" creationId="{2E9BFEAF-0A74-4C52-B1EF-D4320AFDA444}"/>
+          </ac:spMkLst>
+        </pc:spChg>
+      </pc:sldChg>
+    </pc:docChg>
+  </pc:docChgLst>
+</pc:chgInfo>
 </file>
 
 <file path=ppt/slideLayouts/slideLayout1.xml><?xml version="1.0" encoding="utf-8"?>
@@ -312,7 +877,7 @@
             <a:fld id="{87DE6118-2437-4B30-8E3C-4D2BE6020583}" type="datetimeFigureOut">
               <a:rPr lang="en-US" dirty="0"/>
               <a:pPr/>
-              <a:t>7/22/20</a:t>
+              <a:t>7/22/2020</a:t>
             </a:fld>
             <a:endParaRPr lang="en-US" dirty="0"/>
           </a:p>
@@ -381,7 +946,7 @@
             <a:fld id="{69E57DC2-970A-4B3E-BB1C-7A09969E49DF}" type="slidenum">
               <a:rPr lang="en-US" dirty="0"/>
               <a:pPr/>
-              <a:t>‹Nº›</a:t>
+              <a:t>‹N›</a:t>
             </a:fld>
             <a:endParaRPr lang="en-US" dirty="0"/>
           </a:p>
@@ -638,7 +1203,7 @@
           <a:p>
             <a:fld id="{87DE6118-2437-4B30-8E3C-4D2BE6020583}" type="datetimeFigureOut">
               <a:rPr lang="en-US" dirty="0"/>
-              <a:t>7/22/20</a:t>
+              <a:t>7/22/2020</a:t>
             </a:fld>
             <a:endParaRPr lang="en-US" dirty="0"/>
           </a:p>
@@ -680,7 +1245,7 @@
           <a:p>
             <a:fld id="{69E57DC2-970A-4B3E-BB1C-7A09969E49DF}" type="slidenum">
               <a:rPr lang="en-US" dirty="0"/>
-              <a:t>‹Nº›</a:t>
+              <a:t>‹N›</a:t>
             </a:fld>
             <a:endParaRPr lang="en-US" dirty="0"/>
           </a:p>
@@ -813,7 +1378,7 @@
           <a:p>
             <a:fld id="{87DE6118-2437-4B30-8E3C-4D2BE6020583}" type="datetimeFigureOut">
               <a:rPr lang="en-US" dirty="0"/>
-              <a:t>7/22/20</a:t>
+              <a:t>7/22/2020</a:t>
             </a:fld>
             <a:endParaRPr lang="en-US" dirty="0"/>
           </a:p>
@@ -855,7 +1420,7 @@
           <a:p>
             <a:fld id="{69E57DC2-970A-4B3E-BB1C-7A09969E49DF}" type="slidenum">
               <a:rPr lang="en-US" dirty="0"/>
-              <a:t>‹Nº›</a:t>
+              <a:t>‹N›</a:t>
             </a:fld>
             <a:endParaRPr lang="en-US" dirty="0"/>
           </a:p>
@@ -978,7 +1543,7 @@
           <a:p>
             <a:fld id="{87DE6118-2437-4B30-8E3C-4D2BE6020583}" type="datetimeFigureOut">
               <a:rPr lang="en-US" dirty="0"/>
-              <a:t>7/22/20</a:t>
+              <a:t>7/22/2020</a:t>
             </a:fld>
             <a:endParaRPr lang="en-US" dirty="0"/>
           </a:p>
@@ -1020,7 +1585,7 @@
           <a:p>
             <a:fld id="{69E57DC2-970A-4B3E-BB1C-7A09969E49DF}" type="slidenum">
               <a:rPr lang="en-US" dirty="0"/>
-              <a:t>‹Nº›</a:t>
+              <a:t>‹N›</a:t>
             </a:fld>
             <a:endParaRPr lang="en-US" dirty="0"/>
           </a:p>
@@ -1251,7 +1816,7 @@
             <a:fld id="{87DE6118-2437-4B30-8E3C-4D2BE6020583}" type="datetimeFigureOut">
               <a:rPr lang="en-US" dirty="0"/>
               <a:pPr/>
-              <a:t>7/22/20</a:t>
+              <a:t>7/22/2020</a:t>
             </a:fld>
             <a:endParaRPr lang="en-US" dirty="0"/>
           </a:p>
@@ -1320,7 +1885,7 @@
             <a:fld id="{69E57DC2-970A-4B3E-BB1C-7A09969E49DF}" type="slidenum">
               <a:rPr lang="en-US" dirty="0"/>
               <a:pPr/>
-              <a:t>‹Nº›</a:t>
+              <a:t>‹N›</a:t>
             </a:fld>
             <a:endParaRPr lang="en-US" dirty="0"/>
           </a:p>
@@ -1641,7 +2206,7 @@
           <a:p>
             <a:fld id="{87DE6118-2437-4B30-8E3C-4D2BE6020583}" type="datetimeFigureOut">
               <a:rPr lang="en-US" dirty="0"/>
-              <a:t>7/22/20</a:t>
+              <a:t>7/22/2020</a:t>
             </a:fld>
             <a:endParaRPr lang="en-US" dirty="0"/>
           </a:p>
@@ -1683,7 +2248,7 @@
           <a:p>
             <a:fld id="{69E57DC2-970A-4B3E-BB1C-7A09969E49DF}" type="slidenum">
               <a:rPr lang="en-US" dirty="0"/>
-              <a:t>‹Nº›</a:t>
+              <a:t>‹N›</a:t>
             </a:fld>
             <a:endParaRPr lang="en-US" dirty="0"/>
           </a:p>
@@ -2113,7 +2678,7 @@
           <a:p>
             <a:fld id="{87DE6118-2437-4B30-8E3C-4D2BE6020583}" type="datetimeFigureOut">
               <a:rPr lang="en-US" dirty="0"/>
-              <a:t>7/22/20</a:t>
+              <a:t>7/22/2020</a:t>
             </a:fld>
             <a:endParaRPr lang="en-US" dirty="0"/>
           </a:p>
@@ -2155,7 +2720,7 @@
           <a:p>
             <a:fld id="{69E57DC2-970A-4B3E-BB1C-7A09969E49DF}" type="slidenum">
               <a:rPr lang="en-US" dirty="0"/>
-              <a:t>‹Nº›</a:t>
+              <a:t>‹N›</a:t>
             </a:fld>
             <a:endParaRPr lang="en-US" dirty="0"/>
           </a:p>
@@ -2226,7 +2791,7 @@
           <a:p>
             <a:fld id="{87DE6118-2437-4B30-8E3C-4D2BE6020583}" type="datetimeFigureOut">
               <a:rPr lang="en-US" dirty="0"/>
-              <a:t>7/22/20</a:t>
+              <a:t>7/22/2020</a:t>
             </a:fld>
             <a:endParaRPr lang="en-US" dirty="0"/>
           </a:p>
@@ -2268,7 +2833,7 @@
           <a:p>
             <a:fld id="{69E57DC2-970A-4B3E-BB1C-7A09969E49DF}" type="slidenum">
               <a:rPr lang="en-US" dirty="0"/>
-              <a:t>‹Nº›</a:t>
+              <a:t>‹N›</a:t>
             </a:fld>
             <a:endParaRPr lang="en-US" dirty="0"/>
           </a:p>
@@ -2316,7 +2881,7 @@
           <a:p>
             <a:fld id="{87DE6118-2437-4B30-8E3C-4D2BE6020583}" type="datetimeFigureOut">
               <a:rPr lang="en-US" dirty="0"/>
-              <a:t>7/22/20</a:t>
+              <a:t>7/22/2020</a:t>
             </a:fld>
             <a:endParaRPr lang="en-US" dirty="0"/>
           </a:p>
@@ -2358,7 +2923,7 @@
           <a:p>
             <a:fld id="{69E57DC2-970A-4B3E-BB1C-7A09969E49DF}" type="slidenum">
               <a:rPr lang="en-US" dirty="0"/>
-              <a:t>‹Nº›</a:t>
+              <a:t>‹N›</a:t>
             </a:fld>
             <a:endParaRPr lang="en-US" dirty="0"/>
           </a:p>
@@ -2658,7 +3223,7 @@
             <a:fld id="{87DE6118-2437-4B30-8E3C-4D2BE6020583}" type="datetimeFigureOut">
               <a:rPr lang="en-US" dirty="0"/>
               <a:pPr/>
-              <a:t>7/22/20</a:t>
+              <a:t>7/22/2020</a:t>
             </a:fld>
             <a:endParaRPr lang="en-US" dirty="0"/>
           </a:p>
@@ -2727,7 +3292,7 @@
             <a:fld id="{69E57DC2-970A-4B3E-BB1C-7A09969E49DF}" type="slidenum">
               <a:rPr lang="en-US" dirty="0"/>
               <a:pPr/>
-              <a:t>‹Nº›</a:t>
+              <a:t>‹N›</a:t>
             </a:fld>
             <a:endParaRPr lang="en-US" dirty="0"/>
           </a:p>
@@ -3043,7 +3608,7 @@
             <a:fld id="{87DE6118-2437-4B30-8E3C-4D2BE6020583}" type="datetimeFigureOut">
               <a:rPr lang="en-US" dirty="0"/>
               <a:pPr/>
-              <a:t>7/22/20</a:t>
+              <a:t>7/22/2020</a:t>
             </a:fld>
             <a:endParaRPr lang="en-US" dirty="0"/>
           </a:p>
@@ -3112,7 +3677,7 @@
             <a:fld id="{69E57DC2-970A-4B3E-BB1C-7A09969E49DF}" type="slidenum">
               <a:rPr lang="en-US" dirty="0"/>
               <a:pPr/>
-              <a:t>‹Nº›</a:t>
+              <a:t>‹N›</a:t>
             </a:fld>
             <a:endParaRPr lang="en-US" dirty="0"/>
           </a:p>
@@ -3318,7 +3883,7 @@
             <a:fld id="{87DE6118-2437-4B30-8E3C-4D2BE6020583}" type="datetimeFigureOut">
               <a:rPr lang="en-US" dirty="0"/>
               <a:pPr/>
-              <a:t>7/22/20</a:t>
+              <a:t>7/22/2020</a:t>
             </a:fld>
             <a:endParaRPr lang="en-US" dirty="0"/>
           </a:p>
@@ -3393,7 +3958,7 @@
             <a:fld id="{69E57DC2-970A-4B3E-BB1C-7A09969E49DF}" type="slidenum">
               <a:rPr lang="en-US" dirty="0"/>
               <a:pPr/>
-              <a:t>‹Nº›</a:t>
+              <a:t>‹N›</a:t>
             </a:fld>
             <a:endParaRPr lang="en-US" dirty="0"/>
           </a:p>
@@ -3871,58 +4436,62 @@
         </p:spPr>
         <p:txBody>
           <a:bodyPr vert="horz" lIns="91440" tIns="45720" rIns="91440" bIns="45720" rtlCol="0" anchor="t">
-            <a:normAutofit fontScale="70000" lnSpcReduction="20000"/>
+            <a:normAutofit fontScale="92500" lnSpcReduction="10000"/>
           </a:bodyPr>
           <a:lstStyle/>
           <a:p>
             <a:r>
-              <a:rPr lang="es-ES" b="1" dirty="0"/>
-              <a:t>Middleware Technologies </a:t>
-            </a:r>
-            <a:r>
-              <a:rPr lang="es-ES" b="1" dirty="0" err="1"/>
-              <a:t>for</a:t>
-            </a:r>
-            <a:r>
-              <a:rPr lang="es-ES" b="1" dirty="0"/>
-              <a:t> </a:t>
-            </a:r>
-            <a:r>
-              <a:rPr lang="es-ES" b="1" dirty="0" err="1"/>
-              <a:t>Distributed</a:t>
-            </a:r>
-            <a:r>
-              <a:rPr lang="es-ES" b="1" dirty="0"/>
-              <a:t> </a:t>
-            </a:r>
-            <a:r>
-              <a:rPr lang="es-ES" b="1" dirty="0" err="1"/>
-              <a:t>Systems</a:t>
-            </a:r>
-            <a:r>
-              <a:rPr lang="es-ES" b="1" dirty="0"/>
-              <a:t> 2020</a:t>
-            </a:r>
-          </a:p>
-          <a:p>
-            <a:r>
-              <a:rPr lang="es-ES" dirty="0"/>
-              <a:t>Saúl Almazán del Pie</a:t>
-            </a:r>
-            <a:endParaRPr lang="es-ES" b="1" dirty="0"/>
-          </a:p>
-          <a:p>
-            <a:r>
-              <a:rPr lang="es-ES" dirty="0"/>
-              <a:t>Marina Alonso-Cortés</a:t>
-            </a:r>
-          </a:p>
-          <a:p>
-            <a:r>
-              <a:rPr lang="es-ES"/>
-              <a:t>Jorge Santisteban</a:t>
+              <a:rPr lang="en-US" dirty="0">
+                <a:ea typeface="+mn-lt"/>
+                <a:cs typeface="+mn-lt"/>
+              </a:rPr>
+              <a:t>Saúl </a:t>
+            </a:r>
+            <a:r>
+              <a:rPr lang="en-US" dirty="0" err="1">
+                <a:ea typeface="+mn-lt"/>
+                <a:cs typeface="+mn-lt"/>
+              </a:rPr>
+              <a:t>Almazán</a:t>
+            </a:r>
+            <a:r>
+              <a:rPr lang="en-US" dirty="0">
+                <a:ea typeface="+mn-lt"/>
+                <a:cs typeface="+mn-lt"/>
+              </a:rPr>
+              <a:t> del Pie</a:t>
             </a:r>
             <a:endParaRPr lang="es-ES" dirty="0"/>
+          </a:p>
+          <a:p>
+            <a:r>
+              <a:rPr lang="en-US" dirty="0">
+                <a:ea typeface="+mn-lt"/>
+                <a:cs typeface="+mn-lt"/>
+              </a:rPr>
+              <a:t>Marina Alonso-Cortés </a:t>
+            </a:r>
+            <a:r>
+              <a:rPr lang="en-US">
+                <a:ea typeface="+mn-lt"/>
+                <a:cs typeface="+mn-lt"/>
+              </a:rPr>
+              <a:t>Lledó</a:t>
+            </a:r>
+            <a:endParaRPr lang="en-US" dirty="0" err="1"/>
+          </a:p>
+          <a:p>
+            <a:r>
+              <a:rPr lang="en-US" dirty="0">
+                <a:ea typeface="+mn-lt"/>
+                <a:cs typeface="+mn-lt"/>
+              </a:rPr>
+              <a:t>Jorge Santisteban Rivas</a:t>
+            </a:r>
+            <a:endParaRPr lang="en-US" dirty="0"/>
+          </a:p>
+          <a:p>
+            <a:endParaRPr lang="en-US" dirty="0"/>
           </a:p>
         </p:txBody>
       </p:sp>
@@ -5153,15 +5722,91 @@
             <p:ph type="title"/>
           </p:nvPr>
         </p:nvSpPr>
-        <p:spPr/>
+        <p:spPr>
+          <a:xfrm>
+            <a:off x="1314091" y="240102"/>
+            <a:ext cx="10923916" cy="1485900"/>
+          </a:xfrm>
+        </p:spPr>
         <p:txBody>
           <a:bodyPr/>
           <a:lstStyle/>
           <a:p>
             <a:r>
-              <a:rPr lang="es-ES"/>
-              <a:t>Query 1</a:t>
-            </a:r>
+              <a:rPr lang="es-ES" dirty="0"/>
+              <a:t>Query1: </a:t>
+            </a:r>
+            <a:r>
+              <a:rPr lang="es-ES" dirty="0" err="1">
+                <a:ea typeface="+mj-lt"/>
+                <a:cs typeface="+mj-lt"/>
+              </a:rPr>
+              <a:t>Number</a:t>
+            </a:r>
+            <a:r>
+              <a:rPr lang="es-ES" dirty="0">
+                <a:ea typeface="+mj-lt"/>
+                <a:cs typeface="+mj-lt"/>
+              </a:rPr>
+              <a:t> </a:t>
+            </a:r>
+            <a:r>
+              <a:rPr lang="es-ES" dirty="0" err="1">
+                <a:ea typeface="+mj-lt"/>
+                <a:cs typeface="+mj-lt"/>
+              </a:rPr>
+              <a:t>of</a:t>
+            </a:r>
+            <a:r>
+              <a:rPr lang="es-ES" dirty="0">
+                <a:ea typeface="+mj-lt"/>
+                <a:cs typeface="+mj-lt"/>
+              </a:rPr>
+              <a:t> </a:t>
+            </a:r>
+            <a:r>
+              <a:rPr lang="es-ES" dirty="0" err="1">
+                <a:ea typeface="+mj-lt"/>
+                <a:cs typeface="+mj-lt"/>
+              </a:rPr>
+              <a:t>lethal</a:t>
+            </a:r>
+            <a:r>
+              <a:rPr lang="es-ES" dirty="0">
+                <a:ea typeface="+mj-lt"/>
+                <a:cs typeface="+mj-lt"/>
+              </a:rPr>
+              <a:t> </a:t>
+            </a:r>
+            <a:r>
+              <a:rPr lang="es-ES" dirty="0" err="1">
+                <a:ea typeface="+mj-lt"/>
+                <a:cs typeface="+mj-lt"/>
+              </a:rPr>
+              <a:t>accidents</a:t>
+            </a:r>
+            <a:r>
+              <a:rPr lang="es-ES" dirty="0">
+                <a:ea typeface="+mj-lt"/>
+                <a:cs typeface="+mj-lt"/>
+              </a:rPr>
+              <a:t> per </a:t>
+            </a:r>
+            <a:r>
+              <a:rPr lang="es-ES" dirty="0" err="1">
+                <a:ea typeface="+mj-lt"/>
+                <a:cs typeface="+mj-lt"/>
+              </a:rPr>
+              <a:t>week</a:t>
+            </a:r>
+            <a:r>
+              <a:rPr lang="es-ES" dirty="0">
+                <a:ea typeface="+mj-lt"/>
+                <a:cs typeface="+mj-lt"/>
+              </a:rPr>
+              <a:t> </a:t>
+            </a:r>
+            <a:endParaRPr lang="es-ES" dirty="0"/>
           </a:p>
         </p:txBody>
       </p:sp>
@@ -5452,15 +6097,149 @@
             <p:ph type="title"/>
           </p:nvPr>
         </p:nvSpPr>
-        <p:spPr/>
+        <p:spPr>
+          <a:xfrm>
+            <a:off x="1371600" y="685800"/>
+            <a:ext cx="10205049" cy="1485900"/>
+          </a:xfrm>
+        </p:spPr>
         <p:txBody>
-          <a:bodyPr/>
+          <a:bodyPr>
+            <a:normAutofit fontScale="90000"/>
+          </a:bodyPr>
           <a:lstStyle/>
           <a:p>
             <a:r>
-              <a:rPr lang="es-ES"/>
-              <a:t>Query 2</a:t>
-            </a:r>
+              <a:rPr lang="es-ES" dirty="0"/>
+              <a:t>Query2: </a:t>
+            </a:r>
+            <a:r>
+              <a:rPr lang="es-ES" dirty="0" err="1">
+                <a:ea typeface="+mj-lt"/>
+                <a:cs typeface="+mj-lt"/>
+              </a:rPr>
+              <a:t>Number</a:t>
+            </a:r>
+            <a:r>
+              <a:rPr lang="es-ES" dirty="0">
+                <a:ea typeface="+mj-lt"/>
+                <a:cs typeface="+mj-lt"/>
+              </a:rPr>
+              <a:t> </a:t>
+            </a:r>
+            <a:r>
+              <a:rPr lang="es-ES" dirty="0" err="1">
+                <a:ea typeface="+mj-lt"/>
+                <a:cs typeface="+mj-lt"/>
+              </a:rPr>
+              <a:t>of</a:t>
+            </a:r>
+            <a:r>
+              <a:rPr lang="es-ES" dirty="0">
+                <a:ea typeface="+mj-lt"/>
+                <a:cs typeface="+mj-lt"/>
+              </a:rPr>
+              <a:t> </a:t>
+            </a:r>
+            <a:r>
+              <a:rPr lang="es-ES" dirty="0" err="1">
+                <a:ea typeface="+mj-lt"/>
+                <a:cs typeface="+mj-lt"/>
+              </a:rPr>
+              <a:t>accidents</a:t>
+            </a:r>
+            <a:r>
+              <a:rPr lang="es-ES" dirty="0">
+                <a:ea typeface="+mj-lt"/>
+                <a:cs typeface="+mj-lt"/>
+              </a:rPr>
+              <a:t> and </a:t>
+            </a:r>
+            <a:r>
+              <a:rPr lang="es-ES" dirty="0" err="1">
+                <a:ea typeface="+mj-lt"/>
+                <a:cs typeface="+mj-lt"/>
+              </a:rPr>
+              <a:t>percentage</a:t>
+            </a:r>
+            <a:r>
+              <a:rPr lang="es-ES" dirty="0">
+                <a:ea typeface="+mj-lt"/>
+                <a:cs typeface="+mj-lt"/>
+              </a:rPr>
+              <a:t> </a:t>
+            </a:r>
+            <a:r>
+              <a:rPr lang="es-ES" dirty="0" err="1">
+                <a:ea typeface="+mj-lt"/>
+                <a:cs typeface="+mj-lt"/>
+              </a:rPr>
+              <a:t>of</a:t>
+            </a:r>
+            <a:r>
+              <a:rPr lang="es-ES" dirty="0">
+                <a:ea typeface="+mj-lt"/>
+                <a:cs typeface="+mj-lt"/>
+              </a:rPr>
+              <a:t> </a:t>
+            </a:r>
+            <a:r>
+              <a:rPr lang="es-ES" dirty="0" err="1">
+                <a:ea typeface="+mj-lt"/>
+                <a:cs typeface="+mj-lt"/>
+              </a:rPr>
+              <a:t>number</a:t>
+            </a:r>
+            <a:r>
+              <a:rPr lang="es-ES" dirty="0">
+                <a:ea typeface="+mj-lt"/>
+                <a:cs typeface="+mj-lt"/>
+              </a:rPr>
+              <a:t> </a:t>
+            </a:r>
+            <a:r>
+              <a:rPr lang="es-ES" dirty="0" err="1">
+                <a:ea typeface="+mj-lt"/>
+                <a:cs typeface="+mj-lt"/>
+              </a:rPr>
+              <a:t>of</a:t>
+            </a:r>
+            <a:r>
+              <a:rPr lang="es-ES" dirty="0">
+                <a:ea typeface="+mj-lt"/>
+                <a:cs typeface="+mj-lt"/>
+              </a:rPr>
+              <a:t> </a:t>
+            </a:r>
+            <a:r>
+              <a:rPr lang="es-ES" dirty="0" err="1">
+                <a:ea typeface="+mj-lt"/>
+                <a:cs typeface="+mj-lt"/>
+              </a:rPr>
+              <a:t>deaths</a:t>
+            </a:r>
+            <a:r>
+              <a:rPr lang="es-ES" dirty="0">
+                <a:ea typeface="+mj-lt"/>
+                <a:cs typeface="+mj-lt"/>
+              </a:rPr>
+              <a:t> per </a:t>
+            </a:r>
+            <a:r>
+              <a:rPr lang="es-ES" dirty="0" err="1">
+                <a:ea typeface="+mj-lt"/>
+                <a:cs typeface="+mj-lt"/>
+              </a:rPr>
+              <a:t>contributing</a:t>
+            </a:r>
+            <a:r>
+              <a:rPr lang="es-ES" dirty="0">
+                <a:ea typeface="+mj-lt"/>
+                <a:cs typeface="+mj-lt"/>
+              </a:rPr>
+              <a:t> factor</a:t>
+            </a:r>
+            <a:endParaRPr lang="es-ES" dirty="0"/>
           </a:p>
         </p:txBody>
       </p:sp>
@@ -6184,14 +6963,158 @@
             <p:ph type="title"/>
           </p:nvPr>
         </p:nvSpPr>
-        <p:spPr/>
+        <p:spPr>
+          <a:xfrm>
+            <a:off x="1012166" y="398253"/>
+            <a:ext cx="11038935" cy="1485900"/>
+          </a:xfrm>
+        </p:spPr>
         <p:txBody>
-          <a:bodyPr/>
+          <a:bodyPr>
+            <a:normAutofit fontScale="90000"/>
+          </a:bodyPr>
           <a:lstStyle/>
           <a:p>
             <a:r>
-              <a:rPr lang="es-ES"/>
-              <a:t>Query 3</a:t>
+              <a:rPr lang="es-ES" dirty="0"/>
+              <a:t>Query3: </a:t>
+            </a:r>
+            <a:r>
+              <a:rPr lang="es-ES" dirty="0" err="1">
+                <a:ea typeface="+mj-lt"/>
+                <a:cs typeface="+mj-lt"/>
+              </a:rPr>
+              <a:t>Number</a:t>
+            </a:r>
+            <a:r>
+              <a:rPr lang="es-ES" dirty="0">
+                <a:ea typeface="+mj-lt"/>
+                <a:cs typeface="+mj-lt"/>
+              </a:rPr>
+              <a:t> </a:t>
+            </a:r>
+            <a:r>
+              <a:rPr lang="es-ES" dirty="0" err="1">
+                <a:ea typeface="+mj-lt"/>
+                <a:cs typeface="+mj-lt"/>
+              </a:rPr>
+              <a:t>of</a:t>
+            </a:r>
+            <a:r>
+              <a:rPr lang="es-ES" dirty="0">
+                <a:ea typeface="+mj-lt"/>
+                <a:cs typeface="+mj-lt"/>
+              </a:rPr>
+              <a:t> </a:t>
+            </a:r>
+            <a:r>
+              <a:rPr lang="es-ES" dirty="0" err="1">
+                <a:ea typeface="+mj-lt"/>
+                <a:cs typeface="+mj-lt"/>
+              </a:rPr>
+              <a:t>accidents</a:t>
+            </a:r>
+            <a:r>
+              <a:rPr lang="es-ES" dirty="0">
+                <a:ea typeface="+mj-lt"/>
+                <a:cs typeface="+mj-lt"/>
+              </a:rPr>
+              <a:t> and </a:t>
+            </a:r>
+            <a:r>
+              <a:rPr lang="es-ES" dirty="0" err="1">
+                <a:ea typeface="+mj-lt"/>
+                <a:cs typeface="+mj-lt"/>
+              </a:rPr>
+              <a:t>avarage</a:t>
+            </a:r>
+            <a:r>
+              <a:rPr lang="es-ES" dirty="0">
+                <a:ea typeface="+mj-lt"/>
+                <a:cs typeface="+mj-lt"/>
+              </a:rPr>
+              <a:t> </a:t>
+            </a:r>
+            <a:r>
+              <a:rPr lang="es-ES" dirty="0" err="1">
+                <a:ea typeface="+mj-lt"/>
+                <a:cs typeface="+mj-lt"/>
+              </a:rPr>
+              <a:t>number</a:t>
+            </a:r>
+            <a:r>
+              <a:rPr lang="es-ES" dirty="0">
+                <a:ea typeface="+mj-lt"/>
+                <a:cs typeface="+mj-lt"/>
+              </a:rPr>
+              <a:t> </a:t>
+            </a:r>
+            <a:r>
+              <a:rPr lang="es-ES" dirty="0" err="1">
+                <a:ea typeface="+mj-lt"/>
+                <a:cs typeface="+mj-lt"/>
+              </a:rPr>
+              <a:t>of</a:t>
+            </a:r>
+            <a:r>
+              <a:rPr lang="es-ES" dirty="0">
+                <a:ea typeface="+mj-lt"/>
+                <a:cs typeface="+mj-lt"/>
+              </a:rPr>
+              <a:t> </a:t>
+            </a:r>
+            <a:r>
+              <a:rPr lang="es-ES" dirty="0" err="1">
+                <a:ea typeface="+mj-lt"/>
+                <a:cs typeface="+mj-lt"/>
+              </a:rPr>
+              <a:t>lethal</a:t>
+            </a:r>
+            <a:r>
+              <a:rPr lang="es-ES" dirty="0">
+                <a:ea typeface="+mj-lt"/>
+                <a:cs typeface="+mj-lt"/>
+              </a:rPr>
+              <a:t> </a:t>
+            </a:r>
+            <a:r>
+              <a:rPr lang="es-ES" dirty="0" err="1">
+                <a:ea typeface="+mj-lt"/>
+                <a:cs typeface="+mj-lt"/>
+              </a:rPr>
+              <a:t>accidents</a:t>
+            </a:r>
+            <a:r>
+              <a:rPr lang="es-ES" dirty="0">
+                <a:ea typeface="+mj-lt"/>
+                <a:cs typeface="+mj-lt"/>
+              </a:rPr>
+              <a:t> per </a:t>
+            </a:r>
+            <a:r>
+              <a:rPr lang="es-ES" dirty="0" err="1">
+                <a:ea typeface="+mj-lt"/>
+                <a:cs typeface="+mj-lt"/>
+              </a:rPr>
+              <a:t>week</a:t>
+            </a:r>
+            <a:r>
+              <a:rPr lang="es-ES" dirty="0">
+                <a:ea typeface="+mj-lt"/>
+                <a:cs typeface="+mj-lt"/>
+              </a:rPr>
+              <a:t> per </a:t>
+            </a:r>
+            <a:r>
+              <a:rPr lang="es-ES" dirty="0" err="1">
+                <a:ea typeface="+mj-lt"/>
+                <a:cs typeface="+mj-lt"/>
+              </a:rPr>
+              <a:t>borough</a:t>
+            </a:r>
+            <a:r>
+              <a:rPr lang="es-ES" dirty="0"/>
+              <a:t> </a:t>
             </a:r>
           </a:p>
         </p:txBody>
@@ -6214,7 +7137,7 @@
         </p:nvSpPr>
         <p:spPr>
           <a:xfrm>
-            <a:off x="1371600" y="1714500"/>
+            <a:off x="1342845" y="1987670"/>
             <a:ext cx="9601200" cy="3581400"/>
           </a:xfrm>
         </p:spPr>
